--- a/Template_Presentation_Students.pptx
+++ b/Template_Presentation_Students.pptx
@@ -2827,7 +2827,7 @@
         </p:nvSpPr>
         <p:spPr>
           <a:xfrm>
-            <a:off x="683259" y="6111875"/>
+            <a:off x="727332" y="5946201"/>
             <a:ext cx="1230630" cy="335280"/>
           </a:xfrm>
           <a:prstGeom prst="rect">
@@ -2893,7 +2893,7 @@
               </a:rPr>
               <a:t>Link</a:t>
             </a:r>
-            <a:endParaRPr sz="2000">
+            <a:endParaRPr sz="2000" dirty="0">
               <a:latin typeface="Trebuchet MS"/>
               <a:cs typeface="Trebuchet MS"/>
             </a:endParaRPr>
@@ -2917,7 +2917,7 @@
         <p:spPr>
           <a:xfrm>
             <a:off x="990600" y="1203031"/>
-            <a:ext cx="3946302" cy="2147888"/>
+            <a:ext cx="3733800" cy="2032228"/>
           </a:xfrm>
           <a:prstGeom prst="rect">
             <a:avLst/>
@@ -2965,7 +2965,7 @@
         <p:spPr>
           <a:xfrm>
             <a:off x="5105400" y="385444"/>
-            <a:ext cx="5638800" cy="3059944"/>
+            <a:ext cx="5410200" cy="2935892"/>
           </a:xfrm>
           <a:prstGeom prst="rect">
             <a:avLst/>
@@ -3012,19 +3012,58 @@
         </p:blipFill>
         <p:spPr>
           <a:xfrm>
-            <a:off x="7959969" y="3695212"/>
-            <a:ext cx="3175484" cy="2790825"/>
+            <a:off x="8033238" y="3340697"/>
+            <a:ext cx="3023084" cy="2656886"/>
           </a:xfrm>
           <a:prstGeom prst="rect">
             <a:avLst/>
           </a:prstGeom>
         </p:spPr>
       </p:pic>
+      <p:sp>
+        <p:nvSpPr>
+          <p:cNvPr id="3" name="TextBox 2"/>
+          <p:cNvSpPr txBox="1"/>
+          <p:nvPr/>
+        </p:nvSpPr>
+        <p:spPr>
+          <a:xfrm>
+            <a:off x="838200" y="6202139"/>
+            <a:ext cx="9372600" cy="369332"/>
+          </a:xfrm>
+          <a:prstGeom prst="rect">
+            <a:avLst/>
+          </a:prstGeom>
+          <a:noFill/>
+        </p:spPr>
+        <p:txBody>
+          <a:bodyPr wrap="square" rtlCol="0">
+            <a:spAutoFit/>
+          </a:bodyPr>
+          <a:lstStyle/>
+          <a:p>
+            <a:r>
+              <a:rPr lang="en-IN" dirty="0">
+                <a:hlinkClick r:id="rId8"/>
+              </a:rPr>
+              <a:t>https://colab.research.google.com/drive/1NrPYJkNjVtFsLbWUicXsraTWHoQHYDGW?usp=sharing</a:t>
+            </a:r>
+            <a:endParaRPr lang="en-IN" dirty="0"/>
+          </a:p>
+        </p:txBody>
+      </p:sp>
     </p:spTree>
   </p:cSld>
   <p:clrMapOvr>
     <a:masterClrMapping/>
   </p:clrMapOvr>
+  <p:timing>
+    <p:tnLst>
+      <p:par>
+        <p:cTn id="1" dur="indefinite" restart="never" nodeType="tmRoot"/>
+      </p:par>
+    </p:tnLst>
+  </p:timing>
 </p:sld>
 </file>
 
@@ -9733,6 +9772,13 @@
   <p:clrMapOvr>
     <a:masterClrMapping/>
   </p:clrMapOvr>
+  <p:timing>
+    <p:tnLst>
+      <p:par>
+        <p:cTn id="1" dur="indefinite" restart="never" nodeType="tmRoot"/>
+      </p:par>
+    </p:tnLst>
+  </p:timing>
 </p:sld>
 </file>
 
